--- a/Presentation/European skii resort presentation.pptx
+++ b/Presentation/European skii resort presentation.pptx
@@ -1840,47 +1840,6 @@
         </a:p>
       </dgm:t>
     </dgm:pt>
-    <dgm:pt modelId="{64CD79A3-851B-4EB9-8452-0486A801D996}">
-      <dgm:prSet/>
-      <dgm:spPr/>
-      <dgm:t>
-        <a:bodyPr/>
-        <a:lstStyle/>
-        <a:p>
-          <a:r>
-            <a:rPr lang="en-US" dirty="0"/>
-            <a:t>API: Weather API – </a:t>
-          </a:r>
-          <a:r>
-            <a:rPr lang="en-US" dirty="0" err="1"/>
-            <a:t>OpenWeatherMap</a:t>
-          </a:r>
-          <a:endParaRPr lang="en-US" dirty="0"/>
-        </a:p>
-      </dgm:t>
-    </dgm:pt>
-    <dgm:pt modelId="{9930C5D4-3B2E-40A9-AF9F-519FDA59E10C}" type="parTrans" cxnId="{8E8C9441-9F7B-4D6F-B8E1-F0284A390E62}">
-      <dgm:prSet/>
-      <dgm:spPr/>
-      <dgm:t>
-        <a:bodyPr/>
-        <a:lstStyle/>
-        <a:p>
-          <a:endParaRPr lang="en-US"/>
-        </a:p>
-      </dgm:t>
-    </dgm:pt>
-    <dgm:pt modelId="{9FC133E8-C1B6-4962-807F-7680F3F86DB8}" type="sibTrans" cxnId="{8E8C9441-9F7B-4D6F-B8E1-F0284A390E62}">
-      <dgm:prSet/>
-      <dgm:spPr/>
-      <dgm:t>
-        <a:bodyPr/>
-        <a:lstStyle/>
-        <a:p>
-          <a:endParaRPr lang="en-US"/>
-        </a:p>
-      </dgm:t>
-    </dgm:pt>
     <dgm:pt modelId="{DF43E451-9609-F24A-9846-115532B0C20E}" type="pres">
       <dgm:prSet presAssocID="{DDAF7A56-8FB9-41E9-87EA-9EC777F5C443}" presName="cycle" presStyleCnt="0">
         <dgm:presLayoutVars>
@@ -1891,54 +1850,19 @@
       <dgm:spPr/>
     </dgm:pt>
     <dgm:pt modelId="{90DCF1DB-5928-1E41-9B55-FF907218A8D9}" type="pres">
-      <dgm:prSet presAssocID="{62C2B52B-DB43-4B67-97D7-A5704990039C}" presName="node" presStyleLbl="node1" presStyleIdx="0" presStyleCnt="2">
+      <dgm:prSet presAssocID="{62C2B52B-DB43-4B67-97D7-A5704990039C}" presName="node" presStyleLbl="node1" presStyleIdx="0" presStyleCnt="1">
         <dgm:presLayoutVars>
           <dgm:bulletEnabled val="1"/>
         </dgm:presLayoutVars>
       </dgm:prSet>
       <dgm:spPr/>
     </dgm:pt>
-    <dgm:pt modelId="{DDD4CBB4-3E5F-9F4B-80AD-3F31DFFEF2FB}" type="pres">
-      <dgm:prSet presAssocID="{EABF57E3-45B6-4D9E-B832-A600D9FD710E}" presName="sibTrans" presStyleLbl="sibTrans2D1" presStyleIdx="0" presStyleCnt="2"/>
-      <dgm:spPr/>
-    </dgm:pt>
-    <dgm:pt modelId="{F4BF1463-0D41-BA44-B744-692B5E6BA775}" type="pres">
-      <dgm:prSet presAssocID="{EABF57E3-45B6-4D9E-B832-A600D9FD710E}" presName="connectorText" presStyleLbl="sibTrans2D1" presStyleIdx="0" presStyleCnt="2"/>
-      <dgm:spPr/>
-    </dgm:pt>
-    <dgm:pt modelId="{3371AEB4-07E8-834A-B288-D14051D9CA98}" type="pres">
-      <dgm:prSet presAssocID="{64CD79A3-851B-4EB9-8452-0486A801D996}" presName="node" presStyleLbl="node1" presStyleIdx="1" presStyleCnt="2">
-        <dgm:presLayoutVars>
-          <dgm:bulletEnabled val="1"/>
-        </dgm:presLayoutVars>
-      </dgm:prSet>
-      <dgm:spPr/>
-    </dgm:pt>
-    <dgm:pt modelId="{A8721312-4EEF-5447-B8AF-506234E8E164}" type="pres">
-      <dgm:prSet presAssocID="{9FC133E8-C1B6-4962-807F-7680F3F86DB8}" presName="sibTrans" presStyleLbl="sibTrans2D1" presStyleIdx="1" presStyleCnt="2"/>
-      <dgm:spPr/>
-    </dgm:pt>
-    <dgm:pt modelId="{095DB4F2-2A85-374B-ACB8-5BF701AF3861}" type="pres">
-      <dgm:prSet presAssocID="{9FC133E8-C1B6-4962-807F-7680F3F86DB8}" presName="connectorText" presStyleLbl="sibTrans2D1" presStyleIdx="1" presStyleCnt="2"/>
-      <dgm:spPr/>
-    </dgm:pt>
   </dgm:ptLst>
   <dgm:cxnLst>
     <dgm:cxn modelId="{33B6AD02-5BCD-49EC-93FF-71FCA976B2C1}" srcId="{DDAF7A56-8FB9-41E9-87EA-9EC777F5C443}" destId="{62C2B52B-DB43-4B67-97D7-A5704990039C}" srcOrd="0" destOrd="0" parTransId="{6D45BB63-02F9-43F2-8766-28D6870354B2}" sibTransId="{EABF57E3-45B6-4D9E-B832-A600D9FD710E}"/>
-    <dgm:cxn modelId="{A531510F-9767-1645-8C6F-739947DDB97F}" type="presOf" srcId="{EABF57E3-45B6-4D9E-B832-A600D9FD710E}" destId="{F4BF1463-0D41-BA44-B744-692B5E6BA775}" srcOrd="1" destOrd="0" presId="urn:microsoft.com/office/officeart/2005/8/layout/cycle2"/>
-    <dgm:cxn modelId="{8E8C9441-9F7B-4D6F-B8E1-F0284A390E62}" srcId="{DDAF7A56-8FB9-41E9-87EA-9EC777F5C443}" destId="{64CD79A3-851B-4EB9-8452-0486A801D996}" srcOrd="1" destOrd="0" parTransId="{9930C5D4-3B2E-40A9-AF9F-519FDA59E10C}" sibTransId="{9FC133E8-C1B6-4962-807F-7680F3F86DB8}"/>
-    <dgm:cxn modelId="{8AFEBB58-2DDF-CD45-A02A-64CC4155D9BB}" type="presOf" srcId="{EABF57E3-45B6-4D9E-B832-A600D9FD710E}" destId="{DDD4CBB4-3E5F-9F4B-80AD-3F31DFFEF2FB}" srcOrd="0" destOrd="0" presId="urn:microsoft.com/office/officeart/2005/8/layout/cycle2"/>
-    <dgm:cxn modelId="{A5ABCF72-DD90-7549-9490-4D8649BF554E}" type="presOf" srcId="{9FC133E8-C1B6-4962-807F-7680F3F86DB8}" destId="{A8721312-4EEF-5447-B8AF-506234E8E164}" srcOrd="0" destOrd="0" presId="urn:microsoft.com/office/officeart/2005/8/layout/cycle2"/>
-    <dgm:cxn modelId="{99F92392-D861-7749-B79E-E9BAAA6F3AF9}" type="presOf" srcId="{64CD79A3-851B-4EB9-8452-0486A801D996}" destId="{3371AEB4-07E8-834A-B288-D14051D9CA98}" srcOrd="0" destOrd="0" presId="urn:microsoft.com/office/officeart/2005/8/layout/cycle2"/>
-    <dgm:cxn modelId="{AD1F54A0-8EA9-7F4A-8D80-AAB99576633B}" type="presOf" srcId="{9FC133E8-C1B6-4962-807F-7680F3F86DB8}" destId="{095DB4F2-2A85-374B-ACB8-5BF701AF3861}" srcOrd="1" destOrd="0" presId="urn:microsoft.com/office/officeart/2005/8/layout/cycle2"/>
     <dgm:cxn modelId="{78AC6FA7-0AB5-F34E-8D51-67761E404513}" type="presOf" srcId="{62C2B52B-DB43-4B67-97D7-A5704990039C}" destId="{90DCF1DB-5928-1E41-9B55-FF907218A8D9}" srcOrd="0" destOrd="0" presId="urn:microsoft.com/office/officeart/2005/8/layout/cycle2"/>
     <dgm:cxn modelId="{00D27ED5-0C3D-EA4E-960D-CC41F589E5F3}" type="presOf" srcId="{DDAF7A56-8FB9-41E9-87EA-9EC777F5C443}" destId="{DF43E451-9609-F24A-9846-115532B0C20E}" srcOrd="0" destOrd="0" presId="urn:microsoft.com/office/officeart/2005/8/layout/cycle2"/>
     <dgm:cxn modelId="{4508A035-3F9F-1040-8298-5540F89B59BB}" type="presParOf" srcId="{DF43E451-9609-F24A-9846-115532B0C20E}" destId="{90DCF1DB-5928-1E41-9B55-FF907218A8D9}" srcOrd="0" destOrd="0" presId="urn:microsoft.com/office/officeart/2005/8/layout/cycle2"/>
-    <dgm:cxn modelId="{E641E1B1-CD79-9041-8B53-BE2A9F862D26}" type="presParOf" srcId="{DF43E451-9609-F24A-9846-115532B0C20E}" destId="{DDD4CBB4-3E5F-9F4B-80AD-3F31DFFEF2FB}" srcOrd="1" destOrd="0" presId="urn:microsoft.com/office/officeart/2005/8/layout/cycle2"/>
-    <dgm:cxn modelId="{6DFB4D7D-EEAD-E446-BB6E-322F63B1B7AB}" type="presParOf" srcId="{DDD4CBB4-3E5F-9F4B-80AD-3F31DFFEF2FB}" destId="{F4BF1463-0D41-BA44-B744-692B5E6BA775}" srcOrd="0" destOrd="0" presId="urn:microsoft.com/office/officeart/2005/8/layout/cycle2"/>
-    <dgm:cxn modelId="{D7989833-ACDF-534E-8CE5-4CFA5A3B9A3A}" type="presParOf" srcId="{DF43E451-9609-F24A-9846-115532B0C20E}" destId="{3371AEB4-07E8-834A-B288-D14051D9CA98}" srcOrd="2" destOrd="0" presId="urn:microsoft.com/office/officeart/2005/8/layout/cycle2"/>
-    <dgm:cxn modelId="{1C27D667-3626-6B49-AD24-7370BD6809A6}" type="presParOf" srcId="{DF43E451-9609-F24A-9846-115532B0C20E}" destId="{A8721312-4EEF-5447-B8AF-506234E8E164}" srcOrd="3" destOrd="0" presId="urn:microsoft.com/office/officeart/2005/8/layout/cycle2"/>
-    <dgm:cxn modelId="{EF55D749-0EFD-CF49-8ED3-345C7938CF87}" type="presParOf" srcId="{A8721312-4EEF-5447-B8AF-506234E8E164}" destId="{095DB4F2-2A85-374B-ACB8-5BF701AF3861}" srcOrd="0" destOrd="0" presId="urn:microsoft.com/office/officeart/2005/8/layout/cycle2"/>
   </dgm:cxnLst>
   <dgm:bg/>
   <dgm:whole/>
@@ -2373,8 +2297,8 @@
       </dsp:nvSpPr>
       <dsp:spPr>
         <a:xfrm>
-          <a:off x="605" y="1304794"/>
-          <a:ext cx="2419610" cy="2419610"/>
+          <a:off x="1268964" y="234"/>
+          <a:ext cx="3519971" cy="3519971"/>
         </a:xfrm>
         <a:prstGeom prst="ellipse">
           <a:avLst/>
@@ -2416,12 +2340,12 @@
         </a:fontRef>
       </dsp:style>
       <dsp:txBody>
-        <a:bodyPr spcFirstLastPara="0" vert="horz" wrap="square" lIns="21590" tIns="21590" rIns="21590" bIns="21590" numCol="1" spcCol="1270" anchor="ctr" anchorCtr="0">
+        <a:bodyPr spcFirstLastPara="0" vert="horz" wrap="square" lIns="41910" tIns="41910" rIns="41910" bIns="41910" numCol="1" spcCol="1270" anchor="ctr" anchorCtr="0">
           <a:noAutofit/>
         </a:bodyPr>
         <a:lstStyle/>
         <a:p>
-          <a:pPr marL="0" lvl="0" indent="0" algn="ctr" defTabSz="755650">
+          <a:pPr marL="0" lvl="0" indent="0" algn="ctr" defTabSz="1466850">
             <a:lnSpc>
               <a:spcPct val="90000"/>
             </a:lnSpc>
@@ -2434,235 +2358,14 @@
             <a:buNone/>
           </a:pPr>
           <a:r>
-            <a:rPr lang="en-US" sz="1700" kern="1200"/>
+            <a:rPr lang="en-US" sz="3300" kern="1200"/>
             <a:t>Kaggle Dataset 1: Ski Resorts Worldwide (kaggle.com)</a:t>
           </a:r>
         </a:p>
       </dsp:txBody>
       <dsp:txXfrm>
-        <a:off x="354949" y="1659138"/>
-        <a:ext cx="1710922" cy="1710922"/>
-      </dsp:txXfrm>
-    </dsp:sp>
-    <dsp:sp modelId="{DDD4CBB4-3E5F-9F4B-80AD-3F31DFFEF2FB}">
-      <dsp:nvSpPr>
-        <dsp:cNvPr id="0" name=""/>
-        <dsp:cNvSpPr/>
-      </dsp:nvSpPr>
-      <dsp:spPr>
-        <a:xfrm>
-          <a:off x="2231790" y="962799"/>
-          <a:ext cx="1508909" cy="816618"/>
-        </a:xfrm>
-        <a:prstGeom prst="rightArrow">
-          <a:avLst>
-            <a:gd name="adj1" fmla="val 60000"/>
-            <a:gd name="adj2" fmla="val 50000"/>
-          </a:avLst>
-        </a:prstGeom>
-        <a:solidFill>
-          <a:schemeClr val="accent2">
-            <a:hueOff val="0"/>
-            <a:satOff val="0"/>
-            <a:lumOff val="0"/>
-            <a:alphaOff val="0"/>
-          </a:schemeClr>
-        </a:solidFill>
-        <a:ln>
-          <a:noFill/>
-        </a:ln>
-        <a:effectLst/>
-      </dsp:spPr>
-      <dsp:style>
-        <a:lnRef idx="0">
-          <a:scrgbClr r="0" g="0" b="0"/>
-        </a:lnRef>
-        <a:fillRef idx="1">
-          <a:scrgbClr r="0" g="0" b="0"/>
-        </a:fillRef>
-        <a:effectRef idx="0">
-          <a:scrgbClr r="0" g="0" b="0"/>
-        </a:effectRef>
-        <a:fontRef idx="minor">
-          <a:schemeClr val="lt1"/>
-        </a:fontRef>
-      </dsp:style>
-      <dsp:txBody>
-        <a:bodyPr spcFirstLastPara="0" vert="horz" wrap="square" lIns="0" tIns="0" rIns="0" bIns="0" numCol="1" spcCol="1270" anchor="ctr" anchorCtr="0">
-          <a:noAutofit/>
-        </a:bodyPr>
-        <a:lstStyle/>
-        <a:p>
-          <a:pPr marL="0" lvl="0" indent="0" algn="ctr" defTabSz="622300">
-            <a:lnSpc>
-              <a:spcPct val="90000"/>
-            </a:lnSpc>
-            <a:spcBef>
-              <a:spcPct val="0"/>
-            </a:spcBef>
-            <a:spcAft>
-              <a:spcPct val="35000"/>
-            </a:spcAft>
-            <a:buNone/>
-          </a:pPr>
-          <a:endParaRPr lang="en-US" sz="1400" kern="1200"/>
-        </a:p>
-      </dsp:txBody>
-      <dsp:txXfrm>
-        <a:off x="2231790" y="1126123"/>
-        <a:ext cx="1263924" cy="489970"/>
-      </dsp:txXfrm>
-    </dsp:sp>
-    <dsp:sp modelId="{3371AEB4-07E8-834A-B288-D14051D9CA98}">
-      <dsp:nvSpPr>
-        <dsp:cNvPr id="0" name=""/>
-        <dsp:cNvSpPr/>
-      </dsp:nvSpPr>
-      <dsp:spPr>
-        <a:xfrm>
-          <a:off x="3637683" y="1304794"/>
-          <a:ext cx="2419610" cy="2419610"/>
-        </a:xfrm>
-        <a:prstGeom prst="ellipse">
-          <a:avLst/>
-        </a:prstGeom>
-        <a:solidFill>
-          <a:schemeClr val="accent3">
-            <a:hueOff val="0"/>
-            <a:satOff val="0"/>
-            <a:lumOff val="0"/>
-            <a:alphaOff val="0"/>
-          </a:schemeClr>
-        </a:solidFill>
-        <a:ln w="12700" cap="flat" cmpd="sng" algn="ctr">
-          <a:solidFill>
-            <a:schemeClr val="lt1">
-              <a:hueOff val="0"/>
-              <a:satOff val="0"/>
-              <a:lumOff val="0"/>
-              <a:alphaOff val="0"/>
-            </a:schemeClr>
-          </a:solidFill>
-          <a:prstDash val="solid"/>
-          <a:miter lim="800000"/>
-        </a:ln>
-        <a:effectLst/>
-      </dsp:spPr>
-      <dsp:style>
-        <a:lnRef idx="2">
-          <a:scrgbClr r="0" g="0" b="0"/>
-        </a:lnRef>
-        <a:fillRef idx="1">
-          <a:scrgbClr r="0" g="0" b="0"/>
-        </a:fillRef>
-        <a:effectRef idx="0">
-          <a:scrgbClr r="0" g="0" b="0"/>
-        </a:effectRef>
-        <a:fontRef idx="minor">
-          <a:schemeClr val="lt1"/>
-        </a:fontRef>
-      </dsp:style>
-      <dsp:txBody>
-        <a:bodyPr spcFirstLastPara="0" vert="horz" wrap="square" lIns="21590" tIns="21590" rIns="21590" bIns="21590" numCol="1" spcCol="1270" anchor="ctr" anchorCtr="0">
-          <a:noAutofit/>
-        </a:bodyPr>
-        <a:lstStyle/>
-        <a:p>
-          <a:pPr marL="0" lvl="0" indent="0" algn="ctr" defTabSz="755650">
-            <a:lnSpc>
-              <a:spcPct val="90000"/>
-            </a:lnSpc>
-            <a:spcBef>
-              <a:spcPct val="0"/>
-            </a:spcBef>
-            <a:spcAft>
-              <a:spcPct val="35000"/>
-            </a:spcAft>
-            <a:buNone/>
-          </a:pPr>
-          <a:r>
-            <a:rPr lang="en-US" sz="1700" kern="1200" dirty="0"/>
-            <a:t>API: Weather API – </a:t>
-          </a:r>
-          <a:r>
-            <a:rPr lang="en-US" sz="1700" kern="1200" dirty="0" err="1"/>
-            <a:t>OpenWeatherMap</a:t>
-          </a:r>
-          <a:endParaRPr lang="en-US" sz="1700" kern="1200" dirty="0"/>
-        </a:p>
-      </dsp:txBody>
-      <dsp:txXfrm>
-        <a:off x="3992027" y="1659138"/>
-        <a:ext cx="1710922" cy="1710922"/>
-      </dsp:txXfrm>
-    </dsp:sp>
-    <dsp:sp modelId="{A8721312-4EEF-5447-B8AF-506234E8E164}">
-      <dsp:nvSpPr>
-        <dsp:cNvPr id="0" name=""/>
-        <dsp:cNvSpPr/>
-      </dsp:nvSpPr>
-      <dsp:spPr>
-        <a:xfrm rot="10800000">
-          <a:off x="2317200" y="3249782"/>
-          <a:ext cx="1508909" cy="816618"/>
-        </a:xfrm>
-        <a:prstGeom prst="rightArrow">
-          <a:avLst>
-            <a:gd name="adj1" fmla="val 60000"/>
-            <a:gd name="adj2" fmla="val 50000"/>
-          </a:avLst>
-        </a:prstGeom>
-        <a:solidFill>
-          <a:schemeClr val="accent3">
-            <a:hueOff val="0"/>
-            <a:satOff val="0"/>
-            <a:lumOff val="0"/>
-            <a:alphaOff val="0"/>
-          </a:schemeClr>
-        </a:solidFill>
-        <a:ln>
-          <a:noFill/>
-        </a:ln>
-        <a:effectLst/>
-      </dsp:spPr>
-      <dsp:style>
-        <a:lnRef idx="0">
-          <a:scrgbClr r="0" g="0" b="0"/>
-        </a:lnRef>
-        <a:fillRef idx="1">
-          <a:scrgbClr r="0" g="0" b="0"/>
-        </a:fillRef>
-        <a:effectRef idx="0">
-          <a:scrgbClr r="0" g="0" b="0"/>
-        </a:effectRef>
-        <a:fontRef idx="minor">
-          <a:schemeClr val="lt1"/>
-        </a:fontRef>
-      </dsp:style>
-      <dsp:txBody>
-        <a:bodyPr spcFirstLastPara="0" vert="horz" wrap="square" lIns="0" tIns="0" rIns="0" bIns="0" numCol="1" spcCol="1270" anchor="ctr" anchorCtr="0">
-          <a:noAutofit/>
-        </a:bodyPr>
-        <a:lstStyle/>
-        <a:p>
-          <a:pPr marL="0" lvl="0" indent="0" algn="ctr" defTabSz="622300">
-            <a:lnSpc>
-              <a:spcPct val="90000"/>
-            </a:lnSpc>
-            <a:spcBef>
-              <a:spcPct val="0"/>
-            </a:spcBef>
-            <a:spcAft>
-              <a:spcPct val="35000"/>
-            </a:spcAft>
-            <a:buNone/>
-          </a:pPr>
-          <a:endParaRPr lang="en-US" sz="1400" kern="1200"/>
-        </a:p>
-      </dsp:txBody>
-      <dsp:txXfrm rot="10800000">
-        <a:off x="2562185" y="3413106"/>
-        <a:ext cx="1263924" cy="489970"/>
+        <a:off x="1784452" y="515722"/>
+        <a:ext cx="2488995" cy="2488995"/>
       </dsp:txXfrm>
     </dsp:sp>
   </dsp:spTree>
@@ -5700,7 +5403,7 @@
           <a:p>
             <a:fld id="{6FEF76C1-1F5C-524E-9675-3AC5DEF168A0}" type="datetimeFigureOut">
               <a:rPr lang="en-US" smtClean="0"/>
-              <a:t>2/12/24</a:t>
+              <a:t>2/14/24</a:t>
             </a:fld>
             <a:endParaRPr lang="en-US"/>
           </a:p>
@@ -6124,7 +5827,7 @@
           <a:p>
             <a:fld id="{45BC8FAF-23F8-4946-A39B-13984571A681}" type="datetime1">
               <a:rPr lang="en-GB" smtClean="0"/>
-              <a:t>12/02/2024</a:t>
+              <a:t>14/02/2024</a:t>
             </a:fld>
             <a:endParaRPr lang="en-US"/>
           </a:p>
@@ -6322,7 +6025,7 @@
           <a:p>
             <a:fld id="{5BED1FD0-1ED2-1E45-9A92-903D182284B5}" type="datetime1">
               <a:rPr lang="en-GB" smtClean="0"/>
-              <a:t>12/02/2024</a:t>
+              <a:t>14/02/2024</a:t>
             </a:fld>
             <a:endParaRPr lang="en-US"/>
           </a:p>
@@ -6531,7 +6234,7 @@
           <a:p>
             <a:fld id="{A25899D5-7AA3-644A-A1FC-9D8A29898451}" type="datetime1">
               <a:rPr lang="en-GB" smtClean="0"/>
-              <a:t>12/02/2024</a:t>
+              <a:t>14/02/2024</a:t>
             </a:fld>
             <a:endParaRPr lang="en-US"/>
           </a:p>
@@ -6729,7 +6432,7 @@
           <a:p>
             <a:fld id="{AF177CAC-DC12-0E49-B720-F4A1C5FB206C}" type="datetime1">
               <a:rPr lang="en-GB" smtClean="0"/>
-              <a:t>12/02/2024</a:t>
+              <a:t>14/02/2024</a:t>
             </a:fld>
             <a:endParaRPr lang="en-US"/>
           </a:p>
@@ -7007,7 +6710,7 @@
           <a:p>
             <a:fld id="{36B85515-B53D-2543-8C8A-0B58C0E3CBE4}" type="datetime1">
               <a:rPr lang="en-GB" smtClean="0"/>
-              <a:t>12/02/2024</a:t>
+              <a:t>14/02/2024</a:t>
             </a:fld>
             <a:endParaRPr lang="en-US"/>
           </a:p>
@@ -7275,7 +6978,7 @@
           <a:p>
             <a:fld id="{95FC9586-FD6D-9443-9530-5A875FE77048}" type="datetime1">
               <a:rPr lang="en-GB" smtClean="0"/>
-              <a:t>12/02/2024</a:t>
+              <a:t>14/02/2024</a:t>
             </a:fld>
             <a:endParaRPr lang="en-US"/>
           </a:p>
@@ -7694,7 +7397,7 @@
           <a:p>
             <a:fld id="{78B73CAF-7EA6-7649-A65D-83E61E785454}" type="datetime1">
               <a:rPr lang="en-GB" smtClean="0"/>
-              <a:t>12/02/2024</a:t>
+              <a:t>14/02/2024</a:t>
             </a:fld>
             <a:endParaRPr lang="en-US"/>
           </a:p>
@@ -7835,7 +7538,7 @@
           <a:p>
             <a:fld id="{B8F81C0D-ED39-ED43-AE61-505916812A83}" type="datetime1">
               <a:rPr lang="en-GB" smtClean="0"/>
-              <a:t>12/02/2024</a:t>
+              <a:t>14/02/2024</a:t>
             </a:fld>
             <a:endParaRPr lang="en-US"/>
           </a:p>
@@ -7948,7 +7651,7 @@
           <a:p>
             <a:fld id="{D93EFA07-567C-C843-87BD-5C8E1BD3FC60}" type="datetime1">
               <a:rPr lang="en-GB" smtClean="0"/>
-              <a:t>12/02/2024</a:t>
+              <a:t>14/02/2024</a:t>
             </a:fld>
             <a:endParaRPr lang="en-US"/>
           </a:p>
@@ -8263,7 +7966,7 @@
           <a:p>
             <a:fld id="{77C13E67-4DE8-F74D-8D6C-7633FD4BB091}" type="datetime1">
               <a:rPr lang="en-GB" smtClean="0"/>
-              <a:t>12/02/2024</a:t>
+              <a:t>14/02/2024</a:t>
             </a:fld>
             <a:endParaRPr lang="en-US"/>
           </a:p>
@@ -8557,7 +8260,7 @@
           <a:p>
             <a:fld id="{A0F651ED-02A6-DD47-A7CB-1B5E3A45F88D}" type="datetime1">
               <a:rPr lang="en-GB" smtClean="0"/>
-              <a:t>12/02/2024</a:t>
+              <a:t>14/02/2024</a:t>
             </a:fld>
             <a:endParaRPr lang="en-US"/>
           </a:p>
@@ -8797,7 +8500,7 @@
           <a:p>
             <a:fld id="{E8D37925-3289-AB4F-AB9B-45D53550EEF9}" type="datetime1">
               <a:rPr lang="en-GB" smtClean="0"/>
-              <a:t>12/02/2024</a:t>
+              <a:t>14/02/2024</a:t>
             </a:fld>
             <a:endParaRPr lang="en-US"/>
           </a:p>
@@ -9763,14 +9466,14 @@
             <p:ph idx="1"/>
             <p:extLst>
               <p:ext uri="{D42A27DB-BD31-4B8C-83A1-F6EECF244321}">
-                <p14:modId xmlns:p14="http://schemas.microsoft.com/office/powerpoint/2010/main" val="2294677950"/>
+                <p14:modId xmlns:p14="http://schemas.microsoft.com/office/powerpoint/2010/main" val="3316194384"/>
               </p:ext>
             </p:extLst>
           </p:nvPr>
         </p:nvGraphicFramePr>
         <p:xfrm>
-          <a:off x="6096000" y="1018572"/>
-          <a:ext cx="6057900" cy="5029200"/>
+          <a:off x="6096000" y="1863090"/>
+          <a:ext cx="6057900" cy="3520440"/>
         </p:xfrm>
         <a:graphic>
           <a:graphicData uri="http://schemas.openxmlformats.org/drawingml/2006/diagram">
@@ -9827,35 +9530,21 @@
                 <a:latin typeface="Times New Roman" panose="02020603050405020304" pitchFamily="18" charset="0"/>
                 <a:cs typeface="Times New Roman" panose="02020603050405020304" pitchFamily="18" charset="0"/>
               </a:rPr>
-              <a:t>The datasets were retrieved from Kaggle and </a:t>
+              <a:t>The datasets were retrieved from </a:t>
             </a:r>
             <a:r>
-              <a:rPr lang="en-US" sz="1800" dirty="0" err="1">
+              <a:rPr lang="en-US" sz="1800">
                 <a:latin typeface="Times New Roman" panose="02020603050405020304" pitchFamily="18" charset="0"/>
                 <a:cs typeface="Times New Roman" panose="02020603050405020304" pitchFamily="18" charset="0"/>
               </a:rPr>
-              <a:t>openweather</a:t>
+              <a:t>Kaggle. This </a:t>
             </a:r>
             <a:r>
               <a:rPr lang="en-US" sz="1800" dirty="0">
                 <a:latin typeface="Times New Roman" panose="02020603050405020304" pitchFamily="18" charset="0"/>
                 <a:cs typeface="Times New Roman" panose="02020603050405020304" pitchFamily="18" charset="0"/>
               </a:rPr>
-              <a:t> </a:t>
-            </a:r>
-            <a:r>
-              <a:rPr lang="en-US" sz="1800" dirty="0" err="1">
-                <a:latin typeface="Times New Roman" panose="02020603050405020304" pitchFamily="18" charset="0"/>
-                <a:cs typeface="Times New Roman" panose="02020603050405020304" pitchFamily="18" charset="0"/>
-              </a:rPr>
-              <a:t>api</a:t>
-            </a:r>
-            <a:r>
-              <a:rPr lang="en-US" sz="1800" dirty="0">
-                <a:latin typeface="Times New Roman" panose="02020603050405020304" pitchFamily="18" charset="0"/>
-                <a:cs typeface="Times New Roman" panose="02020603050405020304" pitchFamily="18" charset="0"/>
-              </a:rPr>
-              <a:t>. This was further cleaned to enhance the accuracy of the data generated. The data is a comprehensive list of various ski resorts in different countries. </a:t>
+              <a:t>was further cleaned to enhance the accuracy of the data generated. The data is a comprehensive list of various ski resorts in different countries. </a:t>
             </a:r>
           </a:p>
           <a:p>

--- a/Presentation/European skii resort presentation.pptx
+++ b/Presentation/European skii resort presentation.pptx
@@ -1983,8 +1983,8 @@
             </a:lnSpc>
           </a:pPr>
           <a:r>
-            <a:rPr lang="en-US"/>
-            <a:t>Does it match my skiing skill level?</a:t>
+            <a:rPr lang="en-US" dirty="0"/>
+            <a:t>How does the distance of the ski slope compare to price ?</a:t>
           </a:r>
         </a:p>
       </dgm:t>
@@ -2474,7 +2474,7 @@
         </a:bodyPr>
         <a:lstStyle/>
         <a:p>
-          <a:pPr marL="0" lvl="0" indent="0" algn="ctr" defTabSz="889000">
+          <a:pPr marL="0" lvl="0" indent="0" algn="ctr" defTabSz="666750">
             <a:lnSpc>
               <a:spcPct val="100000"/>
             </a:lnSpc>
@@ -2487,7 +2487,7 @@
             <a:buNone/>
           </a:pPr>
           <a:r>
-            <a:rPr lang="en-US" sz="2000" kern="1200"/>
+            <a:rPr lang="en-US" sz="1500" kern="1200"/>
             <a:t>What resort is within my budget?</a:t>
           </a:r>
         </a:p>
@@ -2591,7 +2591,7 @@
         </a:bodyPr>
         <a:lstStyle/>
         <a:p>
-          <a:pPr marL="0" lvl="0" indent="0" algn="ctr" defTabSz="889000">
+          <a:pPr marL="0" lvl="0" indent="0" algn="ctr" defTabSz="666750">
             <a:lnSpc>
               <a:spcPct val="100000"/>
             </a:lnSpc>
@@ -2604,7 +2604,7 @@
             <a:buNone/>
           </a:pPr>
           <a:r>
-            <a:rPr lang="en-US" sz="2000" kern="1200"/>
+            <a:rPr lang="en-US" sz="1500" kern="1200"/>
             <a:t>What will the weather be like?</a:t>
           </a:r>
         </a:p>
@@ -2708,7 +2708,7 @@
         </a:bodyPr>
         <a:lstStyle/>
         <a:p>
-          <a:pPr marL="0" lvl="0" indent="0" algn="ctr" defTabSz="889000">
+          <a:pPr marL="0" lvl="0" indent="0" algn="ctr" defTabSz="666750">
             <a:lnSpc>
               <a:spcPct val="100000"/>
             </a:lnSpc>
@@ -2721,8 +2721,8 @@
             <a:buNone/>
           </a:pPr>
           <a:r>
-            <a:rPr lang="en-US" sz="2000" kern="1200"/>
-            <a:t>Does it match my skiing skill level?</a:t>
+            <a:rPr lang="en-US" sz="1500" kern="1200" dirty="0"/>
+            <a:t>How does the distance of the ski slope compare to price ?</a:t>
           </a:r>
         </a:p>
       </dsp:txBody>
@@ -2825,7 +2825,7 @@
         </a:bodyPr>
         <a:lstStyle/>
         <a:p>
-          <a:pPr marL="0" lvl="0" indent="0" algn="ctr" defTabSz="889000">
+          <a:pPr marL="0" lvl="0" indent="0" algn="ctr" defTabSz="666750">
             <a:lnSpc>
               <a:spcPct val="100000"/>
             </a:lnSpc>
@@ -2838,7 +2838,7 @@
             <a:buNone/>
           </a:pPr>
           <a:r>
-            <a:rPr lang="en-US" sz="2000" kern="1200"/>
+            <a:rPr lang="en-US" sz="1500" kern="1200"/>
             <a:t>What is it rated by other skiers?</a:t>
           </a:r>
         </a:p>
@@ -10119,6 +10119,11 @@
           </p:cNvGraphicFramePr>
           <p:nvPr>
             <p:ph idx="1"/>
+            <p:extLst>
+              <p:ext uri="{D42A27DB-BD31-4B8C-83A1-F6EECF244321}">
+                <p14:modId xmlns:p14="http://schemas.microsoft.com/office/powerpoint/2010/main" val="4169500966"/>
+              </p:ext>
+            </p:extLst>
           </p:nvPr>
         </p:nvGraphicFramePr>
         <p:xfrm>
